--- a/Student/Challenges.pptx
+++ b/Student/Challenges.pptx
@@ -135,90 +135,6 @@
 
 <file path=ppt/changesInfos/changesInfo1.xml><?xml version="1.0" encoding="utf-8"?>
 <pc:chgInfo xmlns:a="http://schemas.openxmlformats.org/drawingml/2006/main" xmlns:r="http://schemas.openxmlformats.org/officeDocument/2006/relationships" xmlns:ac="http://schemas.microsoft.com/office/drawing/2013/main/command" xmlns:pc="http://schemas.microsoft.com/office/powerpoint/2013/main/command">
-  <pc:docChgLst>
-    <pc:chgData name="Rob Kuehfus" userId="453d022f19b6df9a" providerId="LiveId" clId="{00300C55-CFA3-4DC3-A480-DB1F7B2B1E1F}"/>
-    <pc:docChg chg="custSel modSld">
-      <pc:chgData name="Rob Kuehfus" userId="453d022f19b6df9a" providerId="LiveId" clId="{00300C55-CFA3-4DC3-A480-DB1F7B2B1E1F}" dt="2018-06-01T12:41:30.354" v="123" actId="20577"/>
-      <pc:docMkLst>
-        <pc:docMk/>
-      </pc:docMkLst>
-      <pc:sldChg chg="modSp">
-        <pc:chgData name="Rob Kuehfus" userId="453d022f19b6df9a" providerId="LiveId" clId="{00300C55-CFA3-4DC3-A480-DB1F7B2B1E1F}" dt="2018-05-31T13:18:24.560" v="10" actId="13926"/>
-        <pc:sldMkLst>
-          <pc:docMk/>
-          <pc:sldMk cId="3353185689" sldId="257"/>
-        </pc:sldMkLst>
-        <pc:spChg chg="mod">
-          <ac:chgData name="Rob Kuehfus" userId="453d022f19b6df9a" providerId="LiveId" clId="{00300C55-CFA3-4DC3-A480-DB1F7B2B1E1F}" dt="2018-05-31T13:18:24.560" v="10" actId="13926"/>
-          <ac:spMkLst>
-            <pc:docMk/>
-            <pc:sldMk cId="3353185689" sldId="257"/>
-            <ac:spMk id="3" creationId="{AF88C286-9C1B-475A-8D11-F4C61E9EB7A9}"/>
-          </ac:spMkLst>
-        </pc:spChg>
-      </pc:sldChg>
-      <pc:sldChg chg="modSp">
-        <pc:chgData name="Rob Kuehfus" userId="453d022f19b6df9a" providerId="LiveId" clId="{00300C55-CFA3-4DC3-A480-DB1F7B2B1E1F}" dt="2018-05-31T12:26:38.782" v="9" actId="20577"/>
-        <pc:sldMkLst>
-          <pc:docMk/>
-          <pc:sldMk cId="979064255" sldId="259"/>
-        </pc:sldMkLst>
-        <pc:spChg chg="mod">
-          <ac:chgData name="Rob Kuehfus" userId="453d022f19b6df9a" providerId="LiveId" clId="{00300C55-CFA3-4DC3-A480-DB1F7B2B1E1F}" dt="2018-05-31T12:26:38.782" v="9" actId="20577"/>
-          <ac:spMkLst>
-            <pc:docMk/>
-            <pc:sldMk cId="979064255" sldId="259"/>
-            <ac:spMk id="3" creationId="{E583B256-EB77-4750-A793-27EDE3BD5BA1}"/>
-          </ac:spMkLst>
-        </pc:spChg>
-      </pc:sldChg>
-      <pc:sldChg chg="modSp">
-        <pc:chgData name="Rob Kuehfus" userId="453d022f19b6df9a" providerId="LiveId" clId="{00300C55-CFA3-4DC3-A480-DB1F7B2B1E1F}" dt="2018-06-01T12:41:30.354" v="123" actId="20577"/>
-        <pc:sldMkLst>
-          <pc:docMk/>
-          <pc:sldMk cId="2675988397" sldId="261"/>
-        </pc:sldMkLst>
-        <pc:spChg chg="mod">
-          <ac:chgData name="Rob Kuehfus" userId="453d022f19b6df9a" providerId="LiveId" clId="{00300C55-CFA3-4DC3-A480-DB1F7B2B1E1F}" dt="2018-06-01T12:41:30.354" v="123" actId="20577"/>
-          <ac:spMkLst>
-            <pc:docMk/>
-            <pc:sldMk cId="2675988397" sldId="261"/>
-            <ac:spMk id="3" creationId="{E583B256-EB77-4750-A793-27EDE3BD5BA1}"/>
-          </ac:spMkLst>
-        </pc:spChg>
-      </pc:sldChg>
-      <pc:sldChg chg="modSp">
-        <pc:chgData name="Rob Kuehfus" userId="453d022f19b6df9a" providerId="LiveId" clId="{00300C55-CFA3-4DC3-A480-DB1F7B2B1E1F}" dt="2018-05-31T16:39:37.088" v="15" actId="14"/>
-        <pc:sldMkLst>
-          <pc:docMk/>
-          <pc:sldMk cId="4232406185" sldId="263"/>
-        </pc:sldMkLst>
-        <pc:spChg chg="mod">
-          <ac:chgData name="Rob Kuehfus" userId="453d022f19b6df9a" providerId="LiveId" clId="{00300C55-CFA3-4DC3-A480-DB1F7B2B1E1F}" dt="2018-05-31T16:39:37.088" v="15" actId="14"/>
-          <ac:spMkLst>
-            <pc:docMk/>
-            <pc:sldMk cId="4232406185" sldId="263"/>
-            <ac:spMk id="3" creationId="{83B3D083-6DDC-4DF6-842F-2957BF37C439}"/>
-          </ac:spMkLst>
-        </pc:spChg>
-      </pc:sldChg>
-      <pc:sldChg chg="modSp">
-        <pc:chgData name="Rob Kuehfus" userId="453d022f19b6df9a" providerId="LiveId" clId="{00300C55-CFA3-4DC3-A480-DB1F7B2B1E1F}" dt="2018-05-31T20:41:52.057" v="33" actId="20577"/>
-        <pc:sldMkLst>
-          <pc:docMk/>
-          <pc:sldMk cId="1537815153" sldId="265"/>
-        </pc:sldMkLst>
-        <pc:spChg chg="mod">
-          <ac:chgData name="Rob Kuehfus" userId="453d022f19b6df9a" providerId="LiveId" clId="{00300C55-CFA3-4DC3-A480-DB1F7B2B1E1F}" dt="2018-05-31T20:41:52.057" v="33" actId="20577"/>
-          <ac:spMkLst>
-            <pc:docMk/>
-            <pc:sldMk cId="1537815153" sldId="265"/>
-            <ac:spMk id="3" creationId="{FE3E7BEA-002A-4F53-9311-56D273224274}"/>
-          </ac:spMkLst>
-        </pc:spChg>
-      </pc:sldChg>
-    </pc:docChg>
-  </pc:docChgLst>
   <pc:docChgLst>
     <pc:chgData name="Rob Kuehfus" userId="453d022f19b6df9a" providerId="LiveId" clId="{ABE95BDE-6DE9-452F-91A1-74BFF4F3B720}"/>
     <pc:docChg chg="custSel addSld delSld modSld sldOrd">
@@ -506,6 +422,90 @@
             <pc:docMk/>
             <pc:sldMk cId="1924108191" sldId="269"/>
             <ac:spMk id="5" creationId="{B3E993D0-F947-4952-8D6A-754E76C7C98F}"/>
+          </ac:spMkLst>
+        </pc:spChg>
+      </pc:sldChg>
+    </pc:docChg>
+  </pc:docChgLst>
+  <pc:docChgLst>
+    <pc:chgData name="Rob Kuehfus" userId="453d022f19b6df9a" providerId="LiveId" clId="{00300C55-CFA3-4DC3-A480-DB1F7B2B1E1F}"/>
+    <pc:docChg chg="custSel modSld">
+      <pc:chgData name="Rob Kuehfus" userId="453d022f19b6df9a" providerId="LiveId" clId="{00300C55-CFA3-4DC3-A480-DB1F7B2B1E1F}" dt="2018-06-01T12:41:30.354" v="123" actId="20577"/>
+      <pc:docMkLst>
+        <pc:docMk/>
+      </pc:docMkLst>
+      <pc:sldChg chg="modSp">
+        <pc:chgData name="Rob Kuehfus" userId="453d022f19b6df9a" providerId="LiveId" clId="{00300C55-CFA3-4DC3-A480-DB1F7B2B1E1F}" dt="2018-05-31T13:18:24.560" v="10" actId="13926"/>
+        <pc:sldMkLst>
+          <pc:docMk/>
+          <pc:sldMk cId="3353185689" sldId="257"/>
+        </pc:sldMkLst>
+        <pc:spChg chg="mod">
+          <ac:chgData name="Rob Kuehfus" userId="453d022f19b6df9a" providerId="LiveId" clId="{00300C55-CFA3-4DC3-A480-DB1F7B2B1E1F}" dt="2018-05-31T13:18:24.560" v="10" actId="13926"/>
+          <ac:spMkLst>
+            <pc:docMk/>
+            <pc:sldMk cId="3353185689" sldId="257"/>
+            <ac:spMk id="3" creationId="{AF88C286-9C1B-475A-8D11-F4C61E9EB7A9}"/>
+          </ac:spMkLst>
+        </pc:spChg>
+      </pc:sldChg>
+      <pc:sldChg chg="modSp">
+        <pc:chgData name="Rob Kuehfus" userId="453d022f19b6df9a" providerId="LiveId" clId="{00300C55-CFA3-4DC3-A480-DB1F7B2B1E1F}" dt="2018-05-31T12:26:38.782" v="9" actId="20577"/>
+        <pc:sldMkLst>
+          <pc:docMk/>
+          <pc:sldMk cId="979064255" sldId="259"/>
+        </pc:sldMkLst>
+        <pc:spChg chg="mod">
+          <ac:chgData name="Rob Kuehfus" userId="453d022f19b6df9a" providerId="LiveId" clId="{00300C55-CFA3-4DC3-A480-DB1F7B2B1E1F}" dt="2018-05-31T12:26:38.782" v="9" actId="20577"/>
+          <ac:spMkLst>
+            <pc:docMk/>
+            <pc:sldMk cId="979064255" sldId="259"/>
+            <ac:spMk id="3" creationId="{E583B256-EB77-4750-A793-27EDE3BD5BA1}"/>
+          </ac:spMkLst>
+        </pc:spChg>
+      </pc:sldChg>
+      <pc:sldChg chg="modSp">
+        <pc:chgData name="Rob Kuehfus" userId="453d022f19b6df9a" providerId="LiveId" clId="{00300C55-CFA3-4DC3-A480-DB1F7B2B1E1F}" dt="2018-06-01T12:41:30.354" v="123" actId="20577"/>
+        <pc:sldMkLst>
+          <pc:docMk/>
+          <pc:sldMk cId="2675988397" sldId="261"/>
+        </pc:sldMkLst>
+        <pc:spChg chg="mod">
+          <ac:chgData name="Rob Kuehfus" userId="453d022f19b6df9a" providerId="LiveId" clId="{00300C55-CFA3-4DC3-A480-DB1F7B2B1E1F}" dt="2018-06-01T12:41:30.354" v="123" actId="20577"/>
+          <ac:spMkLst>
+            <pc:docMk/>
+            <pc:sldMk cId="2675988397" sldId="261"/>
+            <ac:spMk id="3" creationId="{E583B256-EB77-4750-A793-27EDE3BD5BA1}"/>
+          </ac:spMkLst>
+        </pc:spChg>
+      </pc:sldChg>
+      <pc:sldChg chg="modSp">
+        <pc:chgData name="Rob Kuehfus" userId="453d022f19b6df9a" providerId="LiveId" clId="{00300C55-CFA3-4DC3-A480-DB1F7B2B1E1F}" dt="2018-05-31T16:39:37.088" v="15" actId="14"/>
+        <pc:sldMkLst>
+          <pc:docMk/>
+          <pc:sldMk cId="4232406185" sldId="263"/>
+        </pc:sldMkLst>
+        <pc:spChg chg="mod">
+          <ac:chgData name="Rob Kuehfus" userId="453d022f19b6df9a" providerId="LiveId" clId="{00300C55-CFA3-4DC3-A480-DB1F7B2B1E1F}" dt="2018-05-31T16:39:37.088" v="15" actId="14"/>
+          <ac:spMkLst>
+            <pc:docMk/>
+            <pc:sldMk cId="4232406185" sldId="263"/>
+            <ac:spMk id="3" creationId="{83B3D083-6DDC-4DF6-842F-2957BF37C439}"/>
+          </ac:spMkLst>
+        </pc:spChg>
+      </pc:sldChg>
+      <pc:sldChg chg="modSp">
+        <pc:chgData name="Rob Kuehfus" userId="453d022f19b6df9a" providerId="LiveId" clId="{00300C55-CFA3-4DC3-A480-DB1F7B2B1E1F}" dt="2018-05-31T20:41:52.057" v="33" actId="20577"/>
+        <pc:sldMkLst>
+          <pc:docMk/>
+          <pc:sldMk cId="1537815153" sldId="265"/>
+        </pc:sldMkLst>
+        <pc:spChg chg="mod">
+          <ac:chgData name="Rob Kuehfus" userId="453d022f19b6df9a" providerId="LiveId" clId="{00300C55-CFA3-4DC3-A480-DB1F7B2B1E1F}" dt="2018-05-31T20:41:52.057" v="33" actId="20577"/>
+          <ac:spMkLst>
+            <pc:docMk/>
+            <pc:sldMk cId="1537815153" sldId="265"/>
+            <ac:spMk id="3" creationId="{FE3E7BEA-002A-4F53-9311-56D273224274}"/>
           </ac:spMkLst>
         </pc:spChg>
       </pc:sldChg>
@@ -894,7 +894,7 @@
           <a:p>
             <a:fld id="{53D76E38-EB4B-425D-87E0-B33791D2CD91}" type="datetimeFigureOut">
               <a:rPr lang="en-US" smtClean="0"/>
-              <a:t>4/26/2019</a:t>
+              <a:t>4/30/2019</a:t>
             </a:fld>
             <a:endParaRPr lang="en-US"/>
           </a:p>
@@ -2984,7 +2984,7 @@
           <a:p>
             <a:fld id="{3E3C2F32-47E1-4D90-8C64-89D7BCB0B356}" type="datetimeFigureOut">
               <a:rPr lang="en-US" smtClean="0"/>
-              <a:t>4/26/2019</a:t>
+              <a:t>4/30/2019</a:t>
             </a:fld>
             <a:endParaRPr lang="en-US"/>
           </a:p>
@@ -3182,7 +3182,7 @@
           <a:p>
             <a:fld id="{3E3C2F32-47E1-4D90-8C64-89D7BCB0B356}" type="datetimeFigureOut">
               <a:rPr lang="en-US" smtClean="0"/>
-              <a:t>4/26/2019</a:t>
+              <a:t>4/30/2019</a:t>
             </a:fld>
             <a:endParaRPr lang="en-US"/>
           </a:p>
@@ -3390,7 +3390,7 @@
           <a:p>
             <a:fld id="{3E3C2F32-47E1-4D90-8C64-89D7BCB0B356}" type="datetimeFigureOut">
               <a:rPr lang="en-US" smtClean="0"/>
-              <a:t>4/26/2019</a:t>
+              <a:t>4/30/2019</a:t>
             </a:fld>
             <a:endParaRPr lang="en-US"/>
           </a:p>
@@ -3588,7 +3588,7 @@
           <a:p>
             <a:fld id="{3E3C2F32-47E1-4D90-8C64-89D7BCB0B356}" type="datetimeFigureOut">
               <a:rPr lang="en-US" smtClean="0"/>
-              <a:t>4/26/2019</a:t>
+              <a:t>4/30/2019</a:t>
             </a:fld>
             <a:endParaRPr lang="en-US"/>
           </a:p>
@@ -3863,7 +3863,7 @@
           <a:p>
             <a:fld id="{3E3C2F32-47E1-4D90-8C64-89D7BCB0B356}" type="datetimeFigureOut">
               <a:rPr lang="en-US" smtClean="0"/>
-              <a:t>4/26/2019</a:t>
+              <a:t>4/30/2019</a:t>
             </a:fld>
             <a:endParaRPr lang="en-US"/>
           </a:p>
@@ -4128,7 +4128,7 @@
           <a:p>
             <a:fld id="{3E3C2F32-47E1-4D90-8C64-89D7BCB0B356}" type="datetimeFigureOut">
               <a:rPr lang="en-US" smtClean="0"/>
-              <a:t>4/26/2019</a:t>
+              <a:t>4/30/2019</a:t>
             </a:fld>
             <a:endParaRPr lang="en-US"/>
           </a:p>
@@ -4540,7 +4540,7 @@
           <a:p>
             <a:fld id="{3E3C2F32-47E1-4D90-8C64-89D7BCB0B356}" type="datetimeFigureOut">
               <a:rPr lang="en-US" smtClean="0"/>
-              <a:t>4/26/2019</a:t>
+              <a:t>4/30/2019</a:t>
             </a:fld>
             <a:endParaRPr lang="en-US"/>
           </a:p>
@@ -4681,7 +4681,7 @@
           <a:p>
             <a:fld id="{3E3C2F32-47E1-4D90-8C64-89D7BCB0B356}" type="datetimeFigureOut">
               <a:rPr lang="en-US" smtClean="0"/>
-              <a:t>4/26/2019</a:t>
+              <a:t>4/30/2019</a:t>
             </a:fld>
             <a:endParaRPr lang="en-US"/>
           </a:p>
@@ -4794,7 +4794,7 @@
           <a:p>
             <a:fld id="{3E3C2F32-47E1-4D90-8C64-89D7BCB0B356}" type="datetimeFigureOut">
               <a:rPr lang="en-US" smtClean="0"/>
-              <a:t>4/26/2019</a:t>
+              <a:t>4/30/2019</a:t>
             </a:fld>
             <a:endParaRPr lang="en-US"/>
           </a:p>
@@ -5105,7 +5105,7 @@
           <a:p>
             <a:fld id="{3E3C2F32-47E1-4D90-8C64-89D7BCB0B356}" type="datetimeFigureOut">
               <a:rPr lang="en-US" smtClean="0"/>
-              <a:t>4/26/2019</a:t>
+              <a:t>4/30/2019</a:t>
             </a:fld>
             <a:endParaRPr lang="en-US"/>
           </a:p>
@@ -5393,7 +5393,7 @@
           <a:p>
             <a:fld id="{3E3C2F32-47E1-4D90-8C64-89D7BCB0B356}" type="datetimeFigureOut">
               <a:rPr lang="en-US" smtClean="0"/>
-              <a:t>4/26/2019</a:t>
+              <a:t>4/30/2019</a:t>
             </a:fld>
             <a:endParaRPr lang="en-US"/>
           </a:p>
@@ -5634,7 +5634,7 @@
           <a:p>
             <a:fld id="{3E3C2F32-47E1-4D90-8C64-89D7BCB0B356}" type="datetimeFigureOut">
               <a:rPr lang="en-US" smtClean="0"/>
-              <a:t>4/26/2019</a:t>
+              <a:t>4/30/2019</a:t>
             </a:fld>
             <a:endParaRPr lang="en-US"/>
           </a:p>
@@ -6610,13 +6610,8 @@
             </a:br>
             <a:r>
               <a:rPr lang="en-US" sz="2000" dirty="0"/>
-              <a:t>Hint: try to do the deployment in </a:t>
-            </a:r>
-            <a:r>
-              <a:rPr lang="en-US" sz="2000"/>
-              <a:t>US East 2</a:t>
-            </a:r>
-            <a:endParaRPr lang="en-US" sz="2000" dirty="0"/>
+              <a:t>Hint: try to do the deployment in US East 2</a:t>
+            </a:r>
           </a:p>
           <a:p>
             <a:pPr fontAlgn="ctr"/>
@@ -6690,8 +6685,12 @@
           <a:lstStyle/>
           <a:p>
             <a:r>
+              <a:rPr lang="en-US"/>
+              <a:t>Azure Blueprint </a:t>
+            </a:r>
+            <a:r>
               <a:rPr lang="en-US" dirty="0"/>
-              <a:t>Azure Blueprints Challenge</a:t>
+              <a:t>Challenge</a:t>
             </a:r>
           </a:p>
         </p:txBody>
